--- a/AD Project 산출물.pptx
+++ b/AD Project 산출물.pptx
@@ -4599,14 +4599,14 @@
           <p:nvPr>
             <p:extLst>
               <p:ext uri="{D42A27DB-BD31-4B8C-83A1-F6EECF244321}">
-                <p14:modId xmlns:p14="http://schemas.microsoft.com/office/powerpoint/2010/main" val="1851303472"/>
+                <p14:modId xmlns:p14="http://schemas.microsoft.com/office/powerpoint/2010/main" val="4039465440"/>
               </p:ext>
             </p:extLst>
           </p:nvPr>
         </p:nvGraphicFramePr>
         <p:xfrm>
           <a:off x="211428" y="1382352"/>
-          <a:ext cx="10597853" cy="4700948"/>
+          <a:ext cx="10597853" cy="4751748"/>
         </p:xfrm>
         <a:graphic>
           <a:graphicData uri="http://schemas.openxmlformats.org/drawingml/2006/table">
@@ -4644,7 +4644,7 @@
                   </a:extLst>
                 </a:gridCol>
               </a:tblGrid>
-              <a:tr h="355165">
+              <a:tr h="452059">
                 <a:tc>
                   <a:txBody>
                     <a:bodyPr/>
@@ -4720,7 +4720,7 @@
                   </a:ext>
                 </a:extLst>
               </a:tr>
-              <a:tr h="2316268">
+              <a:tr h="1716495">
                 <a:tc>
                   <a:txBody>
                     <a:bodyPr/>
@@ -4921,7 +4921,7 @@
                   </a:ext>
                 </a:extLst>
               </a:tr>
-              <a:tr h="1623612">
+              <a:tr h="2066555">
                 <a:tc rowSpan="2">
                   <a:txBody>
                     <a:bodyPr/>
@@ -5175,7 +5175,7 @@
                   </a:ext>
                 </a:extLst>
               </a:tr>
-              <a:tr h="405903">
+              <a:tr h="516639">
                 <a:tc vMerge="1">
                   <a:txBody>
                     <a:bodyPr/>
@@ -5429,7 +5429,7 @@
         </p:nvSpPr>
         <p:spPr>
           <a:xfrm>
-            <a:off x="3294580" y="0"/>
+            <a:off x="3598612" y="148293"/>
             <a:ext cx="3823484" cy="923330"/>
           </a:xfrm>
           <a:prstGeom prst="rect">
@@ -11949,14 +11949,14 @@
           <p:nvPr>
             <p:extLst>
               <p:ext uri="{D42A27DB-BD31-4B8C-83A1-F6EECF244321}">
-                <p14:modId xmlns:p14="http://schemas.microsoft.com/office/powerpoint/2010/main" val="3036764422"/>
+                <p14:modId xmlns:p14="http://schemas.microsoft.com/office/powerpoint/2010/main" val="2230765177"/>
               </p:ext>
             </p:extLst>
           </p:nvPr>
         </p:nvGraphicFramePr>
         <p:xfrm>
           <a:off x="211428" y="1167072"/>
-          <a:ext cx="10597853" cy="5498318"/>
+          <a:ext cx="10597853" cy="5132558"/>
         </p:xfrm>
         <a:graphic>
           <a:graphicData uri="http://schemas.openxmlformats.org/drawingml/2006/table">
@@ -12071,7 +12071,7 @@
                 </a:extLst>
               </a:tr>
               <a:tr h="417439">
-                <a:tc rowSpan="4">
+                <a:tc rowSpan="3">
                   <a:txBody>
                     <a:bodyPr/>
                     <a:lstStyle/>
@@ -12349,7 +12349,7 @@
                             <a:schemeClr val="bg1"/>
                           </a:solidFill>
                         </a:rPr>
-                        <a:t>의 매개변수들을 할당한 새로운 필드들</a:t>
+                        <a:t>의 매개변수들을 각각 할당한 새로운 필드들</a:t>
                       </a:r>
                     </a:p>
                   </a:txBody>
@@ -12456,88 +12456,6 @@
                 <a:extLst>
                   <a:ext uri="{0D108BD9-81ED-4DB2-BD59-A6C34878D82A}">
                     <a16:rowId xmlns:a16="http://schemas.microsoft.com/office/drawing/2014/main" val="1404673937"/>
-                  </a:ext>
-                </a:extLst>
-              </a:tr>
-              <a:tr h="0">
-                <a:tc vMerge="1">
-                  <a:txBody>
-                    <a:bodyPr/>
-                    <a:lstStyle/>
-                    <a:p>
-                      <a:pPr latinLnBrk="1"/>
-                      <a:endParaRPr lang="ko-KR" altLang="en-US"/>
-                    </a:p>
-                  </a:txBody>
-                  <a:tcPr/>
-                </a:tc>
-                <a:tc>
-                  <a:txBody>
-                    <a:bodyPr/>
-                    <a:lstStyle/>
-                    <a:p>
-                      <a:pPr algn="ctr" latinLnBrk="1"/>
-                      <a:r>
-                        <a:rPr lang="en-US" altLang="ko-KR" sz="1500" dirty="0" err="1">
-                          <a:solidFill>
-                            <a:schemeClr val="bg1"/>
-                          </a:solidFill>
-                        </a:rPr>
-                        <a:t>mainWindow.Qwidgets</a:t>
-                      </a:r>
-                      <a:endParaRPr lang="ko-KR" altLang="en-US" sz="1500" dirty="0">
-                        <a:solidFill>
-                          <a:schemeClr val="bg1"/>
-                        </a:solidFill>
-                      </a:endParaRPr>
-                    </a:p>
-                  </a:txBody>
-                  <a:tcPr anchor="ctr"/>
-                </a:tc>
-                <a:tc>
-                  <a:txBody>
-                    <a:bodyPr/>
-                    <a:lstStyle/>
-                    <a:p>
-                      <a:pPr algn="ctr" latinLnBrk="1"/>
-                      <a:r>
-                        <a:rPr lang="en-US" altLang="ko-KR" sz="1500" dirty="0">
-                          <a:solidFill>
-                            <a:schemeClr val="bg1"/>
-                          </a:solidFill>
-                        </a:rPr>
-                        <a:t>-</a:t>
-                      </a:r>
-                      <a:endParaRPr lang="ko-KR" altLang="en-US" sz="1500" dirty="0">
-                        <a:solidFill>
-                          <a:schemeClr val="bg1"/>
-                        </a:solidFill>
-                      </a:endParaRPr>
-                    </a:p>
-                  </a:txBody>
-                  <a:tcPr anchor="ctr"/>
-                </a:tc>
-                <a:tc>
-                  <a:txBody>
-                    <a:bodyPr/>
-                    <a:lstStyle/>
-                    <a:p>
-                      <a:pPr algn="ctr" latinLnBrk="1"/>
-                      <a:r>
-                        <a:rPr lang="ko-KR" altLang="en-US" dirty="0">
-                          <a:solidFill>
-                            <a:schemeClr val="bg1"/>
-                          </a:solidFill>
-                        </a:rPr>
-                        <a:t>메인 윈도우의 위젯</a:t>
-                      </a:r>
-                    </a:p>
-                  </a:txBody>
-                  <a:tcPr anchor="ctr"/>
-                </a:tc>
-                <a:extLst>
-                  <a:ext uri="{0D108BD9-81ED-4DB2-BD59-A6C34878D82A}">
-                    <a16:rowId xmlns:a16="http://schemas.microsoft.com/office/drawing/2014/main" val="3360857044"/>
                   </a:ext>
                 </a:extLst>
               </a:tr>
@@ -13983,14 +13901,14 @@
           <p:nvPr>
             <p:extLst>
               <p:ext uri="{D42A27DB-BD31-4B8C-83A1-F6EECF244321}">
-                <p14:modId xmlns:p14="http://schemas.microsoft.com/office/powerpoint/2010/main" val="4290203749"/>
+                <p14:modId xmlns:p14="http://schemas.microsoft.com/office/powerpoint/2010/main" val="235998173"/>
               </p:ext>
             </p:extLst>
           </p:nvPr>
         </p:nvGraphicFramePr>
         <p:xfrm>
-          <a:off x="211428" y="1548346"/>
-          <a:ext cx="10748672" cy="5161361"/>
+          <a:off x="211428" y="1440814"/>
+          <a:ext cx="11015372" cy="5268893"/>
         </p:xfrm>
         <a:graphic>
           <a:graphicData uri="http://schemas.openxmlformats.org/drawingml/2006/table">
@@ -13999,28 +13917,28 @@
                 <a:tableStyleId>{284E427A-3D55-4303-BF80-6455036E1DE7}</a:tableStyleId>
               </a:tblPr>
               <a:tblGrid>
-                <a:gridCol w="1609978">
+                <a:gridCol w="1649925">
                   <a:extLst>
                     <a:ext uri="{9D8B030D-6E8A-4147-A177-3AD203B41FA5}">
                       <a16:colId xmlns:a16="http://schemas.microsoft.com/office/drawing/2014/main" val="428745317"/>
                     </a:ext>
                   </a:extLst>
                 </a:gridCol>
-                <a:gridCol w="2183020">
+                <a:gridCol w="2237186">
                   <a:extLst>
                     <a:ext uri="{9D8B030D-6E8A-4147-A177-3AD203B41FA5}">
                       <a16:colId xmlns:a16="http://schemas.microsoft.com/office/drawing/2014/main" val="2092639846"/>
                     </a:ext>
                   </a:extLst>
                 </a:gridCol>
-                <a:gridCol w="1391119">
+                <a:gridCol w="1425636">
                   <a:extLst>
                     <a:ext uri="{9D8B030D-6E8A-4147-A177-3AD203B41FA5}">
                       <a16:colId xmlns:a16="http://schemas.microsoft.com/office/drawing/2014/main" val="996156442"/>
                     </a:ext>
                   </a:extLst>
                 </a:gridCol>
-                <a:gridCol w="5564555">
+                <a:gridCol w="5702625">
                   <a:extLst>
                     <a:ext uri="{9D8B030D-6E8A-4147-A177-3AD203B41FA5}">
                       <a16:colId xmlns:a16="http://schemas.microsoft.com/office/drawing/2014/main" val="620524946"/>
@@ -14258,6 +14176,14 @@
                     <a:lstStyle/>
                     <a:p>
                       <a:pPr algn="ctr" latinLnBrk="1"/>
+                      <a:r>
+                        <a:rPr lang="en-US" altLang="ko-KR" sz="1500" dirty="0">
+                          <a:solidFill>
+                            <a:schemeClr val="bg1"/>
+                          </a:solidFill>
+                        </a:rPr>
+                        <a:t>-</a:t>
+                      </a:r>
                       <a:endParaRPr lang="ko-KR" altLang="en-US" sz="1500" dirty="0">
                         <a:solidFill>
                           <a:schemeClr val="bg1"/>
@@ -14279,7 +14205,7 @@
                             <a:schemeClr val="bg1"/>
                           </a:solidFill>
                         </a:rPr>
-                        <a:t>startRandFromDBs</a:t>
+                        <a:t>self.words</a:t>
                       </a:r>
                       <a:r>
                         <a:rPr lang="ko-KR" altLang="en-US" dirty="0">
@@ -14407,6 +14333,14 @@
                     <a:lstStyle/>
                     <a:p>
                       <a:pPr algn="ctr" latinLnBrk="1"/>
+                      <a:r>
+                        <a:rPr lang="en-US" altLang="ko-KR" sz="1500" dirty="0" err="1">
+                          <a:solidFill>
+                            <a:schemeClr val="bg1"/>
+                          </a:solidFill>
+                        </a:rPr>
+                        <a:t>Self.usedWords</a:t>
+                      </a:r>
                       <a:endParaRPr lang="ko-KR" altLang="en-US" sz="1500" dirty="0">
                         <a:solidFill>
                           <a:schemeClr val="bg1"/>
@@ -14451,7 +14385,7 @@
                             <a:schemeClr val="bg1"/>
                           </a:solidFill>
                         </a:rPr>
-                        <a:t>메인 윈도우의 위젯</a:t>
+                        <a:t>사용한 단어들을 모아두는 리스트</a:t>
                       </a:r>
                     </a:p>
                   </a:txBody>
@@ -14459,7 +14393,7 @@
                 </a:tc>
                 <a:extLst>
                   <a:ext uri="{0D108BD9-81ED-4DB2-BD59-A6C34878D82A}">
-                    <a16:rowId xmlns:a16="http://schemas.microsoft.com/office/drawing/2014/main" val="3360857044"/>
+                    <a16:rowId xmlns:a16="http://schemas.microsoft.com/office/drawing/2014/main" val="3583813385"/>
                   </a:ext>
                 </a:extLst>
               </a:tr>
@@ -14970,7 +14904,7 @@
                             <a:schemeClr val="bg1"/>
                           </a:solidFill>
                         </a:rPr>
-                        <a:t>(ex : a, ‘’) </a:t>
+                        <a:t>(ex : a, ‘’) result = False</a:t>
                       </a:r>
                       <a:r>
                         <a:rPr lang="ko-KR" altLang="en-US" dirty="0">
@@ -14978,21 +14912,80 @@
                             <a:schemeClr val="bg1"/>
                           </a:solidFill>
                         </a:rPr>
-                        <a:t>틀린 답으로 간주</a:t>
-                      </a:r>
-                      <a:r>
-                        <a:rPr lang="en-US" altLang="ko-KR" dirty="0">
-                          <a:solidFill>
-                            <a:schemeClr val="bg1"/>
-                          </a:solidFill>
-                        </a:rPr>
-                        <a:t>!</a:t>
-                      </a:r>
-                      <a:endParaRPr lang="ko-KR" altLang="en-US" dirty="0">
+                        <a:t>이고</a:t>
+                      </a:r>
+                      <a:endParaRPr lang="en-US" altLang="ko-KR" dirty="0">
                         <a:solidFill>
                           <a:schemeClr val="bg1"/>
                         </a:solidFill>
                       </a:endParaRPr>
+                    </a:p>
+                    <a:p>
+                      <a:pPr algn="ctr" latinLnBrk="1"/>
+                      <a:r>
+                        <a:rPr lang="en-US" altLang="ko-KR" dirty="0">
+                          <a:solidFill>
+                            <a:schemeClr val="bg1"/>
+                          </a:solidFill>
+                        </a:rPr>
+                        <a:t>result = True</a:t>
+                      </a:r>
+                      <a:r>
+                        <a:rPr lang="ko-KR" altLang="en-US" dirty="0" err="1">
+                          <a:solidFill>
+                            <a:schemeClr val="bg1"/>
+                          </a:solidFill>
+                        </a:rPr>
+                        <a:t>일때</a:t>
+                      </a:r>
+                      <a:r>
+                        <a:rPr lang="ko-KR" altLang="en-US" dirty="0">
+                          <a:solidFill>
+                            <a:schemeClr val="bg1"/>
+                          </a:solidFill>
+                        </a:rPr>
+                        <a:t> </a:t>
+                      </a:r>
+                      <a:r>
+                        <a:rPr lang="en-US" altLang="ko-KR" dirty="0">
+                          <a:solidFill>
+                            <a:schemeClr val="bg1"/>
+                          </a:solidFill>
+                        </a:rPr>
+                        <a:t>answer</a:t>
+                      </a:r>
+                      <a:r>
+                        <a:rPr lang="ko-KR" altLang="en-US" dirty="0">
+                          <a:solidFill>
+                            <a:schemeClr val="bg1"/>
+                          </a:solidFill>
+                        </a:rPr>
+                        <a:t>을 </a:t>
+                      </a:r>
+                      <a:r>
+                        <a:rPr lang="en-US" altLang="ko-KR" dirty="0" err="1">
+                          <a:solidFill>
+                            <a:schemeClr val="bg1"/>
+                          </a:solidFill>
+                        </a:rPr>
+                        <a:t>self.usedWords</a:t>
+                      </a:r>
+                      <a:r>
+                        <a:rPr lang="ko-KR" altLang="en-US" dirty="0">
+                          <a:solidFill>
+                            <a:schemeClr val="bg1"/>
+                          </a:solidFill>
+                        </a:rPr>
+                        <a:t>에 추가한다</a:t>
+                      </a:r>
+                      <a:r>
+                        <a:rPr lang="en-US" altLang="ko-KR" dirty="0">
+                          <a:solidFill>
+                            <a:schemeClr val="bg1"/>
+                          </a:solidFill>
+                        </a:rPr>
+                        <a:t>.</a:t>
+                      </a:r>
                     </a:p>
                   </a:txBody>
                   <a:tcPr anchor="ctr"/>
